--- a/Presentation1.pptx
+++ b/Presentation1.pptx
@@ -137,6 +137,9 @@
           </p14:sldIdLst>
         </p14:section>
       </p14:sectionLst>
+    </p:ext>
+    <p:ext uri="{EFAFB233-063F-42B5-8137-9DF3F51BA10A}">
+      <p15:sldGuideLst xmlns:p15="http://schemas.microsoft.com/office/powerpoint/2012/main"/>
     </p:ext>
   </p:extLst>
 </p:presentation>

--- a/Presentation1.pptx
+++ b/Presentation1.pptx
@@ -292,7 +292,7 @@
           <a:p>
             <a:fld id="{A9E11D32-5A2C-4F97-8EF2-5F047712F0E3}" type="datetimeFigureOut">
               <a:rPr lang="en-US" smtClean="0"/>
-              <a:t>7/20/2021</a:t>
+              <a:t>7/22/2021</a:t>
             </a:fld>
             <a:endParaRPr lang="en-US"/>
           </a:p>
@@ -490,7 +490,7 @@
           <a:p>
             <a:fld id="{A9E11D32-5A2C-4F97-8EF2-5F047712F0E3}" type="datetimeFigureOut">
               <a:rPr lang="en-US" smtClean="0"/>
-              <a:t>7/20/2021</a:t>
+              <a:t>7/22/2021</a:t>
             </a:fld>
             <a:endParaRPr lang="en-US"/>
           </a:p>
@@ -698,7 +698,7 @@
           <a:p>
             <a:fld id="{A9E11D32-5A2C-4F97-8EF2-5F047712F0E3}" type="datetimeFigureOut">
               <a:rPr lang="en-US" smtClean="0"/>
-              <a:t>7/20/2021</a:t>
+              <a:t>7/22/2021</a:t>
             </a:fld>
             <a:endParaRPr lang="en-US"/>
           </a:p>
@@ -896,7 +896,7 @@
           <a:p>
             <a:fld id="{A9E11D32-5A2C-4F97-8EF2-5F047712F0E3}" type="datetimeFigureOut">
               <a:rPr lang="en-US" smtClean="0"/>
-              <a:t>7/20/2021</a:t>
+              <a:t>7/22/2021</a:t>
             </a:fld>
             <a:endParaRPr lang="en-US"/>
           </a:p>
@@ -1171,7 +1171,7 @@
           <a:p>
             <a:fld id="{A9E11D32-5A2C-4F97-8EF2-5F047712F0E3}" type="datetimeFigureOut">
               <a:rPr lang="en-US" smtClean="0"/>
-              <a:t>7/20/2021</a:t>
+              <a:t>7/22/2021</a:t>
             </a:fld>
             <a:endParaRPr lang="en-US"/>
           </a:p>
@@ -1436,7 +1436,7 @@
           <a:p>
             <a:fld id="{A9E11D32-5A2C-4F97-8EF2-5F047712F0E3}" type="datetimeFigureOut">
               <a:rPr lang="en-US" smtClean="0"/>
-              <a:t>7/20/2021</a:t>
+              <a:t>7/22/2021</a:t>
             </a:fld>
             <a:endParaRPr lang="en-US"/>
           </a:p>
@@ -1848,7 +1848,7 @@
           <a:p>
             <a:fld id="{A9E11D32-5A2C-4F97-8EF2-5F047712F0E3}" type="datetimeFigureOut">
               <a:rPr lang="en-US" smtClean="0"/>
-              <a:t>7/20/2021</a:t>
+              <a:t>7/22/2021</a:t>
             </a:fld>
             <a:endParaRPr lang="en-US"/>
           </a:p>
@@ -1989,7 +1989,7 @@
           <a:p>
             <a:fld id="{A9E11D32-5A2C-4F97-8EF2-5F047712F0E3}" type="datetimeFigureOut">
               <a:rPr lang="en-US" smtClean="0"/>
-              <a:t>7/20/2021</a:t>
+              <a:t>7/22/2021</a:t>
             </a:fld>
             <a:endParaRPr lang="en-US"/>
           </a:p>
@@ -2102,7 +2102,7 @@
           <a:p>
             <a:fld id="{A9E11D32-5A2C-4F97-8EF2-5F047712F0E3}" type="datetimeFigureOut">
               <a:rPr lang="en-US" smtClean="0"/>
-              <a:t>7/20/2021</a:t>
+              <a:t>7/22/2021</a:t>
             </a:fld>
             <a:endParaRPr lang="en-US"/>
           </a:p>
@@ -2413,7 +2413,7 @@
           <a:p>
             <a:fld id="{A9E11D32-5A2C-4F97-8EF2-5F047712F0E3}" type="datetimeFigureOut">
               <a:rPr lang="en-US" smtClean="0"/>
-              <a:t>7/20/2021</a:t>
+              <a:t>7/22/2021</a:t>
             </a:fld>
             <a:endParaRPr lang="en-US"/>
           </a:p>
@@ -2701,7 +2701,7 @@
           <a:p>
             <a:fld id="{A9E11D32-5A2C-4F97-8EF2-5F047712F0E3}" type="datetimeFigureOut">
               <a:rPr lang="en-US" smtClean="0"/>
-              <a:t>7/20/2021</a:t>
+              <a:t>7/22/2021</a:t>
             </a:fld>
             <a:endParaRPr lang="en-US"/>
           </a:p>
@@ -2942,7 +2942,7 @@
           <a:p>
             <a:fld id="{A9E11D32-5A2C-4F97-8EF2-5F047712F0E3}" type="datetimeFigureOut">
               <a:rPr lang="en-US" smtClean="0"/>
-              <a:t>7/20/2021</a:t>
+              <a:t>7/22/2021</a:t>
             </a:fld>
             <a:endParaRPr lang="en-US"/>
           </a:p>
@@ -5058,7 +5058,25 @@
                 </a:solidFill>
                 <a:latin typeface="Arial Black" panose="020B0A04020102020204" pitchFamily="34" charset="0"/>
               </a:rPr>
-              <a:t>Mask up, or fuck up.</a:t>
+              <a:t>Mask up, </a:t>
+            </a:r>
+            <a:r>
+              <a:rPr lang="en-US">
+                <a:solidFill>
+                  <a:srgbClr val="CFE52F"/>
+                </a:solidFill>
+                <a:latin typeface="Arial Black" panose="020B0A04020102020204" pitchFamily="34" charset="0"/>
+              </a:rPr>
+              <a:t>or f*** </a:t>
+            </a:r>
+            <a:r>
+              <a:rPr lang="en-US" dirty="0">
+                <a:solidFill>
+                  <a:srgbClr val="CFE52F"/>
+                </a:solidFill>
+                <a:latin typeface="Arial Black" panose="020B0A04020102020204" pitchFamily="34" charset="0"/>
+              </a:rPr>
+              <a:t>up.</a:t>
             </a:r>
           </a:p>
         </p:txBody>

--- a/Presentation1.pptx
+++ b/Presentation1.pptx
@@ -292,7 +292,7 @@
           <a:p>
             <a:fld id="{A9E11D32-5A2C-4F97-8EF2-5F047712F0E3}" type="datetimeFigureOut">
               <a:rPr lang="en-US" smtClean="0"/>
-              <a:t>7/22/2021</a:t>
+              <a:t>7/23/2021</a:t>
             </a:fld>
             <a:endParaRPr lang="en-US"/>
           </a:p>
@@ -490,7 +490,7 @@
           <a:p>
             <a:fld id="{A9E11D32-5A2C-4F97-8EF2-5F047712F0E3}" type="datetimeFigureOut">
               <a:rPr lang="en-US" smtClean="0"/>
-              <a:t>7/22/2021</a:t>
+              <a:t>7/23/2021</a:t>
             </a:fld>
             <a:endParaRPr lang="en-US"/>
           </a:p>
@@ -698,7 +698,7 @@
           <a:p>
             <a:fld id="{A9E11D32-5A2C-4F97-8EF2-5F047712F0E3}" type="datetimeFigureOut">
               <a:rPr lang="en-US" smtClean="0"/>
-              <a:t>7/22/2021</a:t>
+              <a:t>7/23/2021</a:t>
             </a:fld>
             <a:endParaRPr lang="en-US"/>
           </a:p>
@@ -896,7 +896,7 @@
           <a:p>
             <a:fld id="{A9E11D32-5A2C-4F97-8EF2-5F047712F0E3}" type="datetimeFigureOut">
               <a:rPr lang="en-US" smtClean="0"/>
-              <a:t>7/22/2021</a:t>
+              <a:t>7/23/2021</a:t>
             </a:fld>
             <a:endParaRPr lang="en-US"/>
           </a:p>
@@ -1171,7 +1171,7 @@
           <a:p>
             <a:fld id="{A9E11D32-5A2C-4F97-8EF2-5F047712F0E3}" type="datetimeFigureOut">
               <a:rPr lang="en-US" smtClean="0"/>
-              <a:t>7/22/2021</a:t>
+              <a:t>7/23/2021</a:t>
             </a:fld>
             <a:endParaRPr lang="en-US"/>
           </a:p>
@@ -1436,7 +1436,7 @@
           <a:p>
             <a:fld id="{A9E11D32-5A2C-4F97-8EF2-5F047712F0E3}" type="datetimeFigureOut">
               <a:rPr lang="en-US" smtClean="0"/>
-              <a:t>7/22/2021</a:t>
+              <a:t>7/23/2021</a:t>
             </a:fld>
             <a:endParaRPr lang="en-US"/>
           </a:p>
@@ -1848,7 +1848,7 @@
           <a:p>
             <a:fld id="{A9E11D32-5A2C-4F97-8EF2-5F047712F0E3}" type="datetimeFigureOut">
               <a:rPr lang="en-US" smtClean="0"/>
-              <a:t>7/22/2021</a:t>
+              <a:t>7/23/2021</a:t>
             </a:fld>
             <a:endParaRPr lang="en-US"/>
           </a:p>
@@ -1989,7 +1989,7 @@
           <a:p>
             <a:fld id="{A9E11D32-5A2C-4F97-8EF2-5F047712F0E3}" type="datetimeFigureOut">
               <a:rPr lang="en-US" smtClean="0"/>
-              <a:t>7/22/2021</a:t>
+              <a:t>7/23/2021</a:t>
             </a:fld>
             <a:endParaRPr lang="en-US"/>
           </a:p>
@@ -2102,7 +2102,7 @@
           <a:p>
             <a:fld id="{A9E11D32-5A2C-4F97-8EF2-5F047712F0E3}" type="datetimeFigureOut">
               <a:rPr lang="en-US" smtClean="0"/>
-              <a:t>7/22/2021</a:t>
+              <a:t>7/23/2021</a:t>
             </a:fld>
             <a:endParaRPr lang="en-US"/>
           </a:p>
@@ -2413,7 +2413,7 @@
           <a:p>
             <a:fld id="{A9E11D32-5A2C-4F97-8EF2-5F047712F0E3}" type="datetimeFigureOut">
               <a:rPr lang="en-US" smtClean="0"/>
-              <a:t>7/22/2021</a:t>
+              <a:t>7/23/2021</a:t>
             </a:fld>
             <a:endParaRPr lang="en-US"/>
           </a:p>
@@ -2701,7 +2701,7 @@
           <a:p>
             <a:fld id="{A9E11D32-5A2C-4F97-8EF2-5F047712F0E3}" type="datetimeFigureOut">
               <a:rPr lang="en-US" smtClean="0"/>
-              <a:t>7/22/2021</a:t>
+              <a:t>7/23/2021</a:t>
             </a:fld>
             <a:endParaRPr lang="en-US"/>
           </a:p>
@@ -2942,7 +2942,7 @@
           <a:p>
             <a:fld id="{A9E11D32-5A2C-4F97-8EF2-5F047712F0E3}" type="datetimeFigureOut">
               <a:rPr lang="en-US" smtClean="0"/>
-              <a:t>7/22/2021</a:t>
+              <a:t>7/23/2021</a:t>
             </a:fld>
             <a:endParaRPr lang="en-US"/>
           </a:p>
@@ -5024,65 +5024,6 @@
       </p:sp>
       <p:sp>
         <p:nvSpPr>
-          <p:cNvPr id="3" name="TextBox 2">
-            <a:extLst>
-              <a:ext uri="{FF2B5EF4-FFF2-40B4-BE49-F238E27FC236}">
-                <a16:creationId xmlns:a16="http://schemas.microsoft.com/office/drawing/2014/main" id="{644824C1-3C7C-4421-BDF0-AF997ABD747E}"/>
-              </a:ext>
-            </a:extLst>
-          </p:cNvPr>
-          <p:cNvSpPr txBox="1"/>
-          <p:nvPr/>
-        </p:nvSpPr>
-        <p:spPr>
-          <a:xfrm>
-            <a:off x="2092960" y="1854200"/>
-            <a:ext cx="8006080" cy="369332"/>
-          </a:xfrm>
-          <a:prstGeom prst="rect">
-            <a:avLst/>
-          </a:prstGeom>
-          <a:noFill/>
-        </p:spPr>
-        <p:txBody>
-          <a:bodyPr wrap="square" rtlCol="0">
-            <a:spAutoFit/>
-          </a:bodyPr>
-          <a:lstStyle/>
-          <a:p>
-            <a:pPr algn="ctr"/>
-            <a:r>
-              <a:rPr lang="en-US" dirty="0">
-                <a:solidFill>
-                  <a:srgbClr val="CFE52F"/>
-                </a:solidFill>
-                <a:latin typeface="Arial Black" panose="020B0A04020102020204" pitchFamily="34" charset="0"/>
-              </a:rPr>
-              <a:t>Mask up, </a:t>
-            </a:r>
-            <a:r>
-              <a:rPr lang="en-US">
-                <a:solidFill>
-                  <a:srgbClr val="CFE52F"/>
-                </a:solidFill>
-                <a:latin typeface="Arial Black" panose="020B0A04020102020204" pitchFamily="34" charset="0"/>
-              </a:rPr>
-              <a:t>or f*** </a:t>
-            </a:r>
-            <a:r>
-              <a:rPr lang="en-US" dirty="0">
-                <a:solidFill>
-                  <a:srgbClr val="CFE52F"/>
-                </a:solidFill>
-                <a:latin typeface="Arial Black" panose="020B0A04020102020204" pitchFamily="34" charset="0"/>
-              </a:rPr>
-              <a:t>up.</a:t>
-            </a:r>
-          </a:p>
-        </p:txBody>
-      </p:sp>
-      <p:sp>
-        <p:nvSpPr>
           <p:cNvPr id="8" name="Subtitle 2">
             <a:extLst>
               <a:ext uri="{FF2B5EF4-FFF2-40B4-BE49-F238E27FC236}">
